--- a/lessons/oct12/Class2B_Preprocessing_TF.pptx
+++ b/lessons/oct12/Class2B_Preprocessing_TF.pptx
@@ -5,7 +5,7 @@
     <p:sldMasterId id="2147483660" r:id="rId1"/>
   </p:sldMasterIdLst>
   <p:notesMasterIdLst>
-    <p:notesMasterId r:id="rId23"/>
+    <p:notesMasterId r:id="rId22"/>
   </p:notesMasterIdLst>
   <p:sldIdLst>
     <p:sldId id="665" r:id="rId2"/>
@@ -28,7 +28,6 @@
     <p:sldId id="677" r:id="rId19"/>
     <p:sldId id="678" r:id="rId20"/>
     <p:sldId id="740" r:id="rId21"/>
-    <p:sldId id="733" r:id="rId22"/>
   </p:sldIdLst>
   <p:sldSz cx="9144000" cy="6858000" type="screen4x3"/>
   <p:notesSz cx="6858000" cy="9144000"/>
@@ -234,7 +233,7 @@
           <a:p>
             <a:fld id="{B0C0A60C-850A-4EA4-9C14-A8FE98B94505}" type="datetimeFigureOut">
               <a:rPr lang="en-US" smtClean="0"/>
-              <a:t>10/10/21</a:t>
+              <a:t>10/11/21</a:t>
             </a:fld>
             <a:endParaRPr lang="en-US"/>
           </a:p>
@@ -633,7 +632,7 @@
           <a:p>
             <a:fld id="{5738B90E-0779-4C36-915C-6F05FCD89456}" type="datetime1">
               <a:rPr lang="en-US" smtClean="0"/>
-              <a:t>10/10/21</a:t>
+              <a:t>10/11/21</a:t>
             </a:fld>
             <a:endParaRPr lang="en-US"/>
           </a:p>
@@ -813,7 +812,7 @@
           <a:p>
             <a:fld id="{7B9EA29D-D431-42FE-B7B6-AAE4454C77D3}" type="datetime1">
               <a:rPr lang="en-US" smtClean="0"/>
-              <a:t>10/10/21</a:t>
+              <a:t>10/11/21</a:t>
             </a:fld>
             <a:endParaRPr lang="en-US"/>
           </a:p>
@@ -1070,7 +1069,7 @@
           <a:p>
             <a:fld id="{690D8A1E-EA8F-46C1-B891-AE0C00D9C314}" type="datetime1">
               <a:rPr lang="en-US" smtClean="0"/>
-              <a:t>10/10/21</a:t>
+              <a:t>10/11/21</a:t>
             </a:fld>
             <a:endParaRPr lang="en-US"/>
           </a:p>
@@ -1361,7 +1360,7 @@
           <a:p>
             <a:fld id="{D753EFC8-4232-4598-94F6-94C0EBAFC469}" type="datetime1">
               <a:rPr lang="en-US" smtClean="0"/>
-              <a:t>10/10/21</a:t>
+              <a:t>10/11/21</a:t>
             </a:fld>
             <a:endParaRPr lang="en-US"/>
           </a:p>
@@ -1673,7 +1672,7 @@
           <a:p>
             <a:fld id="{F3161074-1C18-4AE7-957D-F18524378C85}" type="datetime1">
               <a:rPr lang="en-US" smtClean="0"/>
-              <a:t>10/10/21</a:t>
+              <a:t>10/11/21</a:t>
             </a:fld>
             <a:endParaRPr lang="en-US"/>
           </a:p>
@@ -1909,7 +1908,7 @@
           <a:p>
             <a:fld id="{69BE256C-8D9A-4404-B47D-41A1AE514425}" type="datetime1">
               <a:rPr lang="en-US" smtClean="0"/>
-              <a:t>10/10/21</a:t>
+              <a:t>10/11/21</a:t>
             </a:fld>
             <a:endParaRPr lang="en-US"/>
           </a:p>
@@ -2340,7 +2339,7 @@
           <a:p>
             <a:fld id="{66CB2154-9035-4012-8189-BAAB61C5A5EE}" type="datetime1">
               <a:rPr lang="en-US" smtClean="0"/>
-              <a:t>10/10/21</a:t>
+              <a:t>10/11/21</a:t>
             </a:fld>
             <a:endParaRPr lang="en-US"/>
           </a:p>
@@ -2511,7 +2510,7 @@
           <a:p>
             <a:fld id="{6700A58B-DD98-43D0-B791-721480A02982}" type="datetime1">
               <a:rPr lang="en-US" smtClean="0"/>
-              <a:t>10/10/21</a:t>
+              <a:t>10/11/21</a:t>
             </a:fld>
             <a:endParaRPr lang="en-US"/>
           </a:p>
@@ -2700,7 +2699,7 @@
           <a:p>
             <a:fld id="{7DB6E382-4F61-4E24-BE1A-377EC83D0E3A}" type="datetime1">
               <a:rPr lang="en-US" smtClean="0"/>
-              <a:t>10/10/21</a:t>
+              <a:t>10/11/21</a:t>
             </a:fld>
             <a:endParaRPr lang="en-US"/>
           </a:p>
@@ -3008,7 +3007,7 @@
           <a:p>
             <a:fld id="{4142EED6-FC16-45B9-B8C4-2BC5DBA88325}" type="datetime1">
               <a:rPr lang="en-US" smtClean="0"/>
-              <a:t>10/10/21</a:t>
+              <a:t>10/11/21</a:t>
             </a:fld>
             <a:endParaRPr lang="en-US"/>
           </a:p>
@@ -3323,7 +3322,7 @@
           <a:p>
             <a:fld id="{DF59512B-4F1D-43D7-8819-2F53FEF69650}" type="datetime1">
               <a:rPr lang="en-US" smtClean="0"/>
-              <a:t>10/10/21</a:t>
+              <a:t>10/11/21</a:t>
             </a:fld>
             <a:endParaRPr lang="en-US"/>
           </a:p>
@@ -3596,7 +3595,7 @@
           <a:p>
             <a:fld id="{08437B94-E2BF-44DC-ADC5-B05FC9934E9D}" type="datetime1">
               <a:rPr lang="en-US" smtClean="0"/>
-              <a:t>10/10/21</a:t>
+              <a:t>10/11/21</a:t>
             </a:fld>
             <a:endParaRPr lang="en-US"/>
           </a:p>
@@ -4029,7 +4028,7 @@
           <a:p>
             <a:fld id="{6700A58B-DD98-43D0-B791-721480A02982}" type="datetime1">
               <a:rPr lang="en-US" smtClean="0"/>
-              <a:t>10/10/21</a:t>
+              <a:t>10/11/21</a:t>
             </a:fld>
             <a:endParaRPr lang="en-US"/>
           </a:p>
@@ -4305,7 +4304,7 @@
           <a:p>
             <a:fld id="{6700A58B-DD98-43D0-B791-721480A02982}" type="datetime1">
               <a:rPr lang="en-US" smtClean="0"/>
-              <a:t>10/10/21</a:t>
+              <a:t>10/11/21</a:t>
             </a:fld>
             <a:endParaRPr lang="en-US"/>
           </a:p>
@@ -5029,7 +5028,7 @@
           <a:p>
             <a:fld id="{6700A58B-DD98-43D0-B791-721480A02982}" type="datetime1">
               <a:rPr lang="en-US" smtClean="0"/>
-              <a:t>10/10/21</a:t>
+              <a:t>10/11/21</a:t>
             </a:fld>
             <a:endParaRPr lang="en-US"/>
           </a:p>
@@ -5884,7 +5883,7 @@
           <a:p>
             <a:fld id="{7DB6E382-4F61-4E24-BE1A-377EC83D0E3A}" type="datetime1">
               <a:rPr lang="en-US" smtClean="0"/>
-              <a:t>10/10/21</a:t>
+              <a:t>10/11/21</a:t>
             </a:fld>
             <a:endParaRPr lang="en-US"/>
           </a:p>
@@ -6496,7 +6495,7 @@
           <a:p>
             <a:fld id="{6700A58B-DD98-43D0-B791-721480A02982}" type="datetime1">
               <a:rPr lang="en-US" smtClean="0"/>
-              <a:t>10/10/21</a:t>
+              <a:t>10/11/21</a:t>
             </a:fld>
             <a:endParaRPr lang="en-US"/>
           </a:p>
@@ -6899,7 +6898,7 @@
           <a:p>
             <a:fld id="{6700A58B-DD98-43D0-B791-721480A02982}" type="datetime1">
               <a:rPr lang="en-US" smtClean="0"/>
-              <a:t>10/10/21</a:t>
+              <a:t>10/11/21</a:t>
             </a:fld>
             <a:endParaRPr lang="en-US"/>
           </a:p>
@@ -7522,7 +7521,7 @@
           <a:p>
             <a:fld id="{6700A58B-DD98-43D0-B791-721480A02982}" type="datetime1">
               <a:rPr lang="en-US" smtClean="0"/>
-              <a:t>10/10/21</a:t>
+              <a:t>10/11/21</a:t>
             </a:fld>
             <a:endParaRPr lang="en-US"/>
           </a:p>
@@ -8985,7 +8984,7 @@
           <a:p>
             <a:fld id="{6700A58B-DD98-43D0-B791-721480A02982}" type="datetime1">
               <a:rPr lang="en-US" smtClean="0"/>
-              <a:t>10/10/21</a:t>
+              <a:t>10/11/21</a:t>
             </a:fld>
             <a:endParaRPr lang="en-US"/>
           </a:p>
@@ -11925,7 +11924,7 @@
           <a:p>
             <a:fld id="{6700A58B-DD98-43D0-B791-721480A02982}" type="datetime1">
               <a:rPr lang="en-US" smtClean="0"/>
-              <a:t>10/10/21</a:t>
+              <a:t>10/11/21</a:t>
             </a:fld>
             <a:endParaRPr lang="en-US"/>
           </a:p>
@@ -13570,7 +13569,7 @@
           <a:p>
             <a:fld id="{6700A58B-DD98-43D0-B791-721480A02982}" type="datetime1">
               <a:rPr lang="en-US" smtClean="0"/>
-              <a:t>10/10/21</a:t>
+              <a:t>10/11/21</a:t>
             </a:fld>
             <a:endParaRPr lang="en-US"/>
           </a:p>
@@ -16937,7 +16936,7 @@
           <a:p>
             <a:fld id="{6700A58B-DD98-43D0-B791-721480A02982}" type="datetime1">
               <a:rPr lang="en-US" smtClean="0"/>
-              <a:t>10/10/21</a:t>
+              <a:t>10/11/21</a:t>
             </a:fld>
             <a:endParaRPr lang="en-US"/>
           </a:p>
@@ -18930,7 +18929,7 @@
           <a:p>
             <a:fld id="{6700A58B-DD98-43D0-B791-721480A02982}" type="datetime1">
               <a:rPr lang="en-US" smtClean="0"/>
-              <a:t>10/10/21</a:t>
+              <a:t>10/11/21</a:t>
             </a:fld>
             <a:endParaRPr lang="en-US"/>
           </a:p>
@@ -19790,7 +19789,7 @@
           <a:p>
             <a:fld id="{6700A58B-DD98-43D0-B791-721480A02982}" type="datetime1">
               <a:rPr lang="en-US" smtClean="0"/>
-              <a:t>10/10/21</a:t>
+              <a:t>10/11/21</a:t>
             </a:fld>
             <a:endParaRPr lang="en-US"/>
           </a:p>
@@ -20197,281 +20196,6 @@
 </p:sld>
 </file>
 
-<file path=ppt/slides/slide21.xml><?xml version="1.0" encoding="utf-8"?>
-<p:sld xmlns:a="http://schemas.openxmlformats.org/drawingml/2006/main" xmlns:r="http://schemas.openxmlformats.org/officeDocument/2006/relationships" xmlns:p="http://schemas.openxmlformats.org/presentationml/2006/main">
-  <p:cSld>
-    <p:spTree>
-      <p:nvGrpSpPr>
-        <p:cNvPr id="1" name=""/>
-        <p:cNvGrpSpPr/>
-        <p:nvPr/>
-      </p:nvGrpSpPr>
-      <p:grpSpPr>
-        <a:xfrm>
-          <a:off x="0" y="0"/>
-          <a:ext cx="0" cy="0"/>
-          <a:chOff x="0" y="0"/>
-          <a:chExt cx="0" cy="0"/>
-        </a:xfrm>
-      </p:grpSpPr>
-      <p:sp>
-        <p:nvSpPr>
-          <p:cNvPr id="2" name="Date Placeholder 1"/>
-          <p:cNvSpPr>
-            <a:spLocks noGrp="1"/>
-          </p:cNvSpPr>
-          <p:nvPr>
-            <p:ph type="dt" sz="half" idx="10"/>
-          </p:nvPr>
-        </p:nvSpPr>
-        <p:spPr/>
-        <p:txBody>
-          <a:bodyPr/>
-          <a:lstStyle/>
-          <a:p>
-            <a:fld id="{6700A58B-DD98-43D0-B791-721480A02982}" type="datetime1">
-              <a:rPr lang="en-US" smtClean="0"/>
-              <a:t>10/10/21</a:t>
-            </a:fld>
-            <a:endParaRPr lang="en-US"/>
-          </a:p>
-        </p:txBody>
-      </p:sp>
-      <p:sp>
-        <p:nvSpPr>
-          <p:cNvPr id="3" name="Title 2"/>
-          <p:cNvSpPr>
-            <a:spLocks noGrp="1"/>
-          </p:cNvSpPr>
-          <p:nvPr>
-            <p:ph type="title"/>
-          </p:nvPr>
-        </p:nvSpPr>
-        <p:spPr/>
-        <p:txBody>
-          <a:bodyPr/>
-          <a:lstStyle/>
-          <a:p>
-            <a:r>
-              <a:rPr lang="en-US" dirty="0"/>
-              <a:t>Homework</a:t>
-            </a:r>
-          </a:p>
-        </p:txBody>
-      </p:sp>
-      <p:sp>
-        <p:nvSpPr>
-          <p:cNvPr id="4" name="Slide Number Placeholder 3"/>
-          <p:cNvSpPr>
-            <a:spLocks noGrp="1"/>
-          </p:cNvSpPr>
-          <p:nvPr>
-            <p:ph type="sldNum" sz="quarter" idx="12"/>
-          </p:nvPr>
-        </p:nvSpPr>
-        <p:spPr/>
-        <p:txBody>
-          <a:bodyPr/>
-          <a:lstStyle/>
-          <a:p>
-            <a:fld id="{37290FF7-652B-4475-AEAB-8B1A5D23AE09}" type="slidenum">
-              <a:rPr lang="en-US" smtClean="0"/>
-              <a:t>21</a:t>
-            </a:fld>
-            <a:endParaRPr lang="en-US"/>
-          </a:p>
-        </p:txBody>
-      </p:sp>
-      <p:sp>
-        <p:nvSpPr>
-          <p:cNvPr id="5" name="Footer Placeholder 4"/>
-          <p:cNvSpPr>
-            <a:spLocks noGrp="1"/>
-          </p:cNvSpPr>
-          <p:nvPr>
-            <p:ph type="ftr" sz="quarter" idx="3"/>
-          </p:nvPr>
-        </p:nvSpPr>
-        <p:spPr/>
-        <p:txBody>
-          <a:bodyPr/>
-          <a:lstStyle/>
-          <a:p>
-            <a:r>
-              <a:rPr lang="en-US"/>
-              <a:t>Kwartler</a:t>
-            </a:r>
-            <a:endParaRPr lang="en-US" dirty="0"/>
-          </a:p>
-        </p:txBody>
-      </p:sp>
-      <p:sp>
-        <p:nvSpPr>
-          <p:cNvPr id="6" name="TextBox 5"/>
-          <p:cNvSpPr txBox="1"/>
-          <p:nvPr/>
-        </p:nvSpPr>
-        <p:spPr>
-          <a:xfrm>
-            <a:off x="717100" y="2413338"/>
-            <a:ext cx="8283210" cy="1477328"/>
-          </a:xfrm>
-          <a:prstGeom prst="rect">
-            <a:avLst/>
-          </a:prstGeom>
-          <a:noFill/>
-        </p:spPr>
-        <p:txBody>
-          <a:bodyPr wrap="square" rtlCol="0">
-            <a:spAutoFit/>
-          </a:bodyPr>
-          <a:lstStyle/>
-          <a:p>
-            <a:pPr marL="285750" indent="-285750">
-              <a:buFont typeface="Arial" panose="020B0604020202020204" pitchFamily="34" charset="0"/>
-              <a:buChar char="•"/>
-            </a:pPr>
-            <a:r>
-              <a:rPr lang="en-US" dirty="0"/>
-              <a:t>Due </a:t>
-            </a:r>
-            <a:r>
-              <a:rPr lang="en-US" b="1" u="sng" dirty="0"/>
-              <a:t>next</a:t>
-            </a:r>
-            <a:r>
-              <a:rPr lang="en-US" dirty="0"/>
-              <a:t> Before Class!</a:t>
-            </a:r>
-          </a:p>
-          <a:p>
-            <a:pPr marL="742950" lvl="1" indent="-285750">
-              <a:buFont typeface="Arial" panose="020B0604020202020204" pitchFamily="34" charset="0"/>
-              <a:buChar char="•"/>
-            </a:pPr>
-            <a:r>
-              <a:rPr lang="en-US" dirty="0"/>
-              <a:t>Show everything in code!  Don’t just answer, demonstrate you know how to get the answer.</a:t>
-            </a:r>
-          </a:p>
-          <a:p>
-            <a:pPr marL="742950" lvl="1" indent="-285750">
-              <a:buFont typeface="Arial" panose="020B0604020202020204" pitchFamily="34" charset="0"/>
-              <a:buChar char="•"/>
-            </a:pPr>
-            <a:r>
-              <a:rPr lang="en-US" dirty="0"/>
-              <a:t>﻿Complete: Day1_HW_Student.R in the repo with the provided data</a:t>
-            </a:r>
-          </a:p>
-          <a:p>
-            <a:pPr marL="742950" lvl="1" indent="-285750">
-              <a:buFont typeface="Arial" panose="020B0604020202020204" pitchFamily="34" charset="0"/>
-              <a:buChar char="•"/>
-            </a:pPr>
-            <a:endParaRPr lang="en-US" dirty="0"/>
-          </a:p>
-        </p:txBody>
-      </p:sp>
-      <p:cxnSp>
-        <p:nvCxnSpPr>
-          <p:cNvPr id="7" name="Straight Connector 6">
-            <a:extLst>
-              <a:ext uri="{FF2B5EF4-FFF2-40B4-BE49-F238E27FC236}">
-                <a16:creationId xmlns:a16="http://schemas.microsoft.com/office/drawing/2014/main" id="{790F3EAB-FC60-6E45-9517-135F640C982E}"/>
-              </a:ext>
-            </a:extLst>
-          </p:cNvPr>
-          <p:cNvCxnSpPr/>
-          <p:nvPr/>
-        </p:nvCxnSpPr>
-        <p:spPr>
-          <a:xfrm>
-            <a:off x="6798363" y="6549885"/>
-            <a:ext cx="0" cy="182880"/>
-          </a:xfrm>
-          <a:prstGeom prst="line">
-            <a:avLst/>
-          </a:prstGeom>
-          <a:ln>
-            <a:solidFill>
-              <a:schemeClr val="bg1">
-                <a:lumMod val="85000"/>
-              </a:schemeClr>
-            </a:solidFill>
-          </a:ln>
-        </p:spPr>
-        <p:style>
-          <a:lnRef idx="1">
-            <a:schemeClr val="accent1"/>
-          </a:lnRef>
-          <a:fillRef idx="0">
-            <a:schemeClr val="accent1"/>
-          </a:fillRef>
-          <a:effectRef idx="0">
-            <a:schemeClr val="accent1"/>
-          </a:effectRef>
-          <a:fontRef idx="minor">
-            <a:schemeClr val="tx1"/>
-          </a:fontRef>
-        </p:style>
-      </p:cxnSp>
-      <p:cxnSp>
-        <p:nvCxnSpPr>
-          <p:cNvPr id="8" name="Straight Connector 7">
-            <a:extLst>
-              <a:ext uri="{FF2B5EF4-FFF2-40B4-BE49-F238E27FC236}">
-                <a16:creationId xmlns:a16="http://schemas.microsoft.com/office/drawing/2014/main" id="{BE901B5F-7348-EA43-83B7-CB2422631496}"/>
-              </a:ext>
-            </a:extLst>
-          </p:cNvPr>
-          <p:cNvCxnSpPr/>
-          <p:nvPr/>
-        </p:nvCxnSpPr>
-        <p:spPr>
-          <a:xfrm>
-            <a:off x="7076661" y="4664763"/>
-            <a:ext cx="182880" cy="0"/>
-          </a:xfrm>
-          <a:prstGeom prst="line">
-            <a:avLst/>
-          </a:prstGeom>
-          <a:ln>
-            <a:solidFill>
-              <a:schemeClr val="bg1">
-                <a:lumMod val="85000"/>
-              </a:schemeClr>
-            </a:solidFill>
-          </a:ln>
-        </p:spPr>
-        <p:style>
-          <a:lnRef idx="1">
-            <a:schemeClr val="accent1"/>
-          </a:lnRef>
-          <a:fillRef idx="0">
-            <a:schemeClr val="accent1"/>
-          </a:fillRef>
-          <a:effectRef idx="0">
-            <a:schemeClr val="accent1"/>
-          </a:effectRef>
-          <a:fontRef idx="minor">
-            <a:schemeClr val="tx1"/>
-          </a:fontRef>
-        </p:style>
-      </p:cxnSp>
-    </p:spTree>
-    <p:extLst>
-      <p:ext uri="{BB962C8B-B14F-4D97-AF65-F5344CB8AC3E}">
-        <p14:creationId xmlns:p14="http://schemas.microsoft.com/office/powerpoint/2010/main" val="457657829"/>
-      </p:ext>
-    </p:extLst>
-  </p:cSld>
-  <p:clrMapOvr>
-    <a:masterClrMapping/>
-  </p:clrMapOvr>
-</p:sld>
-</file>
-
 <file path=ppt/slides/slide3.xml><?xml version="1.0" encoding="utf-8"?>
 <p:sld xmlns:a="http://schemas.openxmlformats.org/drawingml/2006/main" xmlns:r="http://schemas.openxmlformats.org/officeDocument/2006/relationships" xmlns:p="http://schemas.openxmlformats.org/presentationml/2006/main">
   <p:cSld>
@@ -20506,7 +20230,7 @@
           <a:p>
             <a:fld id="{6700A58B-DD98-43D0-B791-721480A02982}" type="datetime1">
               <a:rPr lang="en-US" smtClean="0"/>
-              <a:t>10/10/21</a:t>
+              <a:t>10/11/21</a:t>
             </a:fld>
             <a:endParaRPr lang="en-US"/>
           </a:p>
@@ -21573,7 +21297,7 @@
             <a:fld id="{6700A58B-DD98-43D0-B791-721480A02982}" type="datetime1">
               <a:rPr lang="en-US" smtClean="0"/>
               <a:pPr/>
-              <a:t>10/10/21</a:t>
+              <a:t>10/11/21</a:t>
             </a:fld>
             <a:endParaRPr lang="en-US"/>
           </a:p>
@@ -23762,7 +23486,7 @@
             <a:fld id="{6700A58B-DD98-43D0-B791-721480A02982}" type="datetime1">
               <a:rPr lang="en-US" smtClean="0"/>
               <a:pPr/>
-              <a:t>10/10/21</a:t>
+              <a:t>10/11/21</a:t>
             </a:fld>
             <a:endParaRPr lang="en-US"/>
           </a:p>
@@ -26369,7 +26093,7 @@
             <a:fld id="{6700A58B-DD98-43D0-B791-721480A02982}" type="datetime1">
               <a:rPr lang="en-US" smtClean="0"/>
               <a:pPr/>
-              <a:t>10/10/21</a:t>
+              <a:t>10/11/21</a:t>
             </a:fld>
             <a:endParaRPr lang="en-US"/>
           </a:p>
@@ -27403,7 +27127,7 @@
             <a:fld id="{6700A58B-DD98-43D0-B791-721480A02982}" type="datetime1">
               <a:rPr lang="en-US" smtClean="0"/>
               <a:pPr/>
-              <a:t>10/10/21</a:t>
+              <a:t>10/11/21</a:t>
             </a:fld>
             <a:endParaRPr lang="en-US"/>
           </a:p>
@@ -28576,7 +28300,7 @@
             <a:fld id="{6700A58B-DD98-43D0-B791-721480A02982}" type="datetime1">
               <a:rPr lang="en-US" smtClean="0"/>
               <a:pPr/>
-              <a:t>10/10/21</a:t>
+              <a:t>10/11/21</a:t>
             </a:fld>
             <a:endParaRPr lang="en-US"/>
           </a:p>
@@ -29266,7 +28990,7 @@
           <a:p>
             <a:fld id="{6700A58B-DD98-43D0-B791-721480A02982}" type="datetime1">
               <a:rPr lang="en-US" smtClean="0"/>
-              <a:t>10/10/21</a:t>
+              <a:t>10/11/21</a:t>
             </a:fld>
             <a:endParaRPr lang="en-US"/>
           </a:p>
